--- a/KyleDev/ConveyorStates/Presentation1.pptx
+++ b/KyleDev/ConveyorStates/Presentation1.pptx
@@ -110,6 +110,11 @@
       </a:defRPr>
     </a:lvl9pPr>
   </p:defaultTextStyle>
+  <p:extLst>
+    <p:ext uri="{EFAFB233-063F-42B5-8137-9DF3F51BA10A}">
+      <p15:sldGuideLst xmlns:p15="http://schemas.microsoft.com/office/powerpoint/2012/main"/>
+    </p:ext>
+  </p:extLst>
 </p:presentation>
 </file>
 
@@ -260,7 +265,7 @@
           <a:p>
             <a:fld id="{74540ADC-0D44-4F44-B47B-17EED5FC1179}" type="datetimeFigureOut">
               <a:rPr lang="en-US" smtClean="0"/>
-              <a:t>2/13/2020</a:t>
+              <a:t>2/14/2020</a:t>
             </a:fld>
             <a:endParaRPr lang="en-US"/>
           </a:p>
@@ -458,7 +463,7 @@
           <a:p>
             <a:fld id="{74540ADC-0D44-4F44-B47B-17EED5FC1179}" type="datetimeFigureOut">
               <a:rPr lang="en-US" smtClean="0"/>
-              <a:t>2/13/2020</a:t>
+              <a:t>2/14/2020</a:t>
             </a:fld>
             <a:endParaRPr lang="en-US"/>
           </a:p>
@@ -666,7 +671,7 @@
           <a:p>
             <a:fld id="{74540ADC-0D44-4F44-B47B-17EED5FC1179}" type="datetimeFigureOut">
               <a:rPr lang="en-US" smtClean="0"/>
-              <a:t>2/13/2020</a:t>
+              <a:t>2/14/2020</a:t>
             </a:fld>
             <a:endParaRPr lang="en-US"/>
           </a:p>
@@ -864,7 +869,7 @@
           <a:p>
             <a:fld id="{74540ADC-0D44-4F44-B47B-17EED5FC1179}" type="datetimeFigureOut">
               <a:rPr lang="en-US" smtClean="0"/>
-              <a:t>2/13/2020</a:t>
+              <a:t>2/14/2020</a:t>
             </a:fld>
             <a:endParaRPr lang="en-US"/>
           </a:p>
@@ -1139,7 +1144,7 @@
           <a:p>
             <a:fld id="{74540ADC-0D44-4F44-B47B-17EED5FC1179}" type="datetimeFigureOut">
               <a:rPr lang="en-US" smtClean="0"/>
-              <a:t>2/13/2020</a:t>
+              <a:t>2/14/2020</a:t>
             </a:fld>
             <a:endParaRPr lang="en-US"/>
           </a:p>
@@ -1404,7 +1409,7 @@
           <a:p>
             <a:fld id="{74540ADC-0D44-4F44-B47B-17EED5FC1179}" type="datetimeFigureOut">
               <a:rPr lang="en-US" smtClean="0"/>
-              <a:t>2/13/2020</a:t>
+              <a:t>2/14/2020</a:t>
             </a:fld>
             <a:endParaRPr lang="en-US"/>
           </a:p>
@@ -1816,7 +1821,7 @@
           <a:p>
             <a:fld id="{74540ADC-0D44-4F44-B47B-17EED5FC1179}" type="datetimeFigureOut">
               <a:rPr lang="en-US" smtClean="0"/>
-              <a:t>2/13/2020</a:t>
+              <a:t>2/14/2020</a:t>
             </a:fld>
             <a:endParaRPr lang="en-US"/>
           </a:p>
@@ -1957,7 +1962,7 @@
           <a:p>
             <a:fld id="{74540ADC-0D44-4F44-B47B-17EED5FC1179}" type="datetimeFigureOut">
               <a:rPr lang="en-US" smtClean="0"/>
-              <a:t>2/13/2020</a:t>
+              <a:t>2/14/2020</a:t>
             </a:fld>
             <a:endParaRPr lang="en-US"/>
           </a:p>
@@ -2070,7 +2075,7 @@
           <a:p>
             <a:fld id="{74540ADC-0D44-4F44-B47B-17EED5FC1179}" type="datetimeFigureOut">
               <a:rPr lang="en-US" smtClean="0"/>
-              <a:t>2/13/2020</a:t>
+              <a:t>2/14/2020</a:t>
             </a:fld>
             <a:endParaRPr lang="en-US"/>
           </a:p>
@@ -2381,7 +2386,7 @@
           <a:p>
             <a:fld id="{74540ADC-0D44-4F44-B47B-17EED5FC1179}" type="datetimeFigureOut">
               <a:rPr lang="en-US" smtClean="0"/>
-              <a:t>2/13/2020</a:t>
+              <a:t>2/14/2020</a:t>
             </a:fld>
             <a:endParaRPr lang="en-US"/>
           </a:p>
@@ -2669,7 +2674,7 @@
           <a:p>
             <a:fld id="{74540ADC-0D44-4F44-B47B-17EED5FC1179}" type="datetimeFigureOut">
               <a:rPr lang="en-US" smtClean="0"/>
-              <a:t>2/13/2020</a:t>
+              <a:t>2/14/2020</a:t>
             </a:fld>
             <a:endParaRPr lang="en-US"/>
           </a:p>
@@ -2910,7 +2915,7 @@
           <a:p>
             <a:fld id="{74540ADC-0D44-4F44-B47B-17EED5FC1179}" type="datetimeFigureOut">
               <a:rPr lang="en-US" smtClean="0"/>
-              <a:t>2/13/2020</a:t>
+              <a:t>2/14/2020</a:t>
             </a:fld>
             <a:endParaRPr lang="en-US"/>
           </a:p>
@@ -3429,53 +3434,80 @@
           <a:chExt cx="0" cy="0"/>
         </a:xfrm>
       </p:grpSpPr>
-      <p:sp>
-        <p:nvSpPr>
-          <p:cNvPr id="2" name="Title 1">
-            <a:extLst>
-              <a:ext uri="{FF2B5EF4-FFF2-40B4-BE49-F238E27FC236}">
-                <a16:creationId xmlns:a16="http://schemas.microsoft.com/office/drawing/2014/main" id="{720D0B40-E9A0-41A3-92F3-31368523803F}"/>
-              </a:ext>
-            </a:extLst>
-          </p:cNvPr>
-          <p:cNvSpPr>
-            <a:spLocks noGrp="1"/>
-          </p:cNvSpPr>
-          <p:nvPr>
-            <p:ph type="title"/>
-          </p:nvPr>
-        </p:nvSpPr>
-        <p:spPr/>
-        <p:txBody>
-          <a:bodyPr/>
-          <a:lstStyle/>
-          <a:p>
-            <a:endParaRPr lang="en-US"/>
-          </a:p>
-        </p:txBody>
-      </p:sp>
-      <p:sp>
-        <p:nvSpPr>
-          <p:cNvPr id="3" name="Content Placeholder 2">
-            <a:extLst>
-              <a:ext uri="{FF2B5EF4-FFF2-40B4-BE49-F238E27FC236}">
-                <a16:creationId xmlns:a16="http://schemas.microsoft.com/office/drawing/2014/main" id="{217200AC-7573-48F1-B220-58158DF8CE41}"/>
-              </a:ext>
-            </a:extLst>
-          </p:cNvPr>
-          <p:cNvSpPr>
-            <a:spLocks noGrp="1"/>
-          </p:cNvSpPr>
-          <p:nvPr>
-            <p:ph idx="1"/>
-          </p:nvPr>
-        </p:nvSpPr>
-        <p:spPr/>
-        <p:txBody>
-          <a:bodyPr/>
-          <a:lstStyle/>
-          <a:p>
-            <a:endParaRPr lang="en-US"/>
+      <p:pic>
+        <p:nvPicPr>
+          <p:cNvPr id="4" name="Picture 3">
+            <a:extLst>
+              <a:ext uri="{FF2B5EF4-FFF2-40B4-BE49-F238E27FC236}">
+                <a16:creationId xmlns:a16="http://schemas.microsoft.com/office/drawing/2014/main" id="{85A94CF2-648C-4BE1-8379-A24C39F7BB49}"/>
+              </a:ext>
+            </a:extLst>
+          </p:cNvPr>
+          <p:cNvPicPr>
+            <a:picLocks noChangeAspect="1"/>
+          </p:cNvPicPr>
+          <p:nvPr/>
+        </p:nvPicPr>
+        <p:blipFill>
+          <a:blip r:embed="rId2"/>
+          <a:stretch>
+            <a:fillRect/>
+          </a:stretch>
+        </p:blipFill>
+        <p:spPr>
+          <a:xfrm>
+            <a:off x="586201" y="374580"/>
+            <a:ext cx="5400675" cy="4200525"/>
+          </a:xfrm>
+          <a:prstGeom prst="rect">
+            <a:avLst/>
+          </a:prstGeom>
+        </p:spPr>
+      </p:pic>
+      <p:sp>
+        <p:nvSpPr>
+          <p:cNvPr id="5" name="TextBox 4">
+            <a:extLst>
+              <a:ext uri="{FF2B5EF4-FFF2-40B4-BE49-F238E27FC236}">
+                <a16:creationId xmlns:a16="http://schemas.microsoft.com/office/drawing/2014/main" id="{776CC3A8-4C47-4A24-8B19-33C434748691}"/>
+              </a:ext>
+            </a:extLst>
+          </p:cNvPr>
+          <p:cNvSpPr txBox="1"/>
+          <p:nvPr/>
+        </p:nvSpPr>
+        <p:spPr>
+          <a:xfrm>
+            <a:off x="7103165" y="967409"/>
+            <a:ext cx="1921565" cy="923330"/>
+          </a:xfrm>
+          <a:prstGeom prst="rect">
+            <a:avLst/>
+          </a:prstGeom>
+          <a:noFill/>
+        </p:spPr>
+        <p:txBody>
+          <a:bodyPr wrap="square" rtlCol="0">
+            <a:spAutoFit/>
+          </a:bodyPr>
+          <a:lstStyle/>
+          <a:p>
+            <a:r>
+              <a:rPr lang="en-US" dirty="0"/>
+              <a:t>P: 0.08</a:t>
+            </a:r>
+          </a:p>
+          <a:p>
+            <a:r>
+              <a:rPr lang="en-US" dirty="0"/>
+              <a:t>I: 0.075</a:t>
+            </a:r>
+          </a:p>
+          <a:p>
+            <a:r>
+              <a:rPr lang="en-US" dirty="0"/>
+              <a:t>D: 0.07</a:t>
+            </a:r>
           </a:p>
         </p:txBody>
       </p:sp>
